--- a/Material Classifier.pptx
+++ b/Material Classifier.pptx
@@ -12,6 +12,7 @@
     <p:sldId id="258" r:id="rId7"/>
     <p:sldId id="260" r:id="rId8"/>
     <p:sldId id="262" r:id="rId9"/>
+    <p:sldId id="268" r:id="rId10"/>
   </p:sldIdLst>
   <p:sldSz cx="12192000" cy="6858000"/>
   <p:notesSz cx="6858000" cy="9144000"/>
@@ -2958,7 +2959,7 @@
               <a:t>Material classification method for </a:t>
             </a:r>
             <a:r>
-              <a:rPr lang="" altLang="en-US" dirty="0">
+              <a:rPr lang="en-US" altLang="en-US" dirty="0">
                 <a:cs typeface="Calibri"/>
               </a:rPr>
               <a:t>electrostatic effect</a:t>
@@ -3523,6 +3524,91 @@
           </a:prstGeom>
         </p:spPr>
       </p:pic>
+    </p:spTree>
+  </p:cSld>
+  <p:clrMapOvr>
+    <a:masterClrMapping/>
+  </p:clrMapOvr>
+</p:sld>
+</file>
+
+<file path=ppt/slides/slide8.xml><?xml version="1.0" encoding="utf-8"?>
+<p:sld xmlns:a="http://schemas.openxmlformats.org/drawingml/2006/main" xmlns:r="http://schemas.openxmlformats.org/officeDocument/2006/relationships" xmlns:p="http://schemas.openxmlformats.org/presentationml/2006/main">
+  <p:cSld>
+    <p:spTree>
+      <p:nvGrpSpPr>
+        <p:cNvPr id="1" name=""/>
+        <p:cNvGrpSpPr/>
+        <p:nvPr/>
+      </p:nvGrpSpPr>
+      <p:grpSpPr/>
+      <p:sp>
+        <p:nvSpPr>
+          <p:cNvPr id="2" name="Title 1"/>
+          <p:cNvSpPr>
+            <a:spLocks noGrp="1"/>
+          </p:cNvSpPr>
+          <p:nvPr>
+            <p:ph type="title"/>
+          </p:nvPr>
+        </p:nvSpPr>
+        <p:spPr/>
+        <p:txBody>
+          <a:bodyPr/>
+          <a:p>
+            <a:r>
+              <a:rPr lang="" altLang="en-US"/>
+              <a:t>Contributions</a:t>
+            </a:r>
+            <a:endParaRPr lang="" altLang="en-US"/>
+          </a:p>
+        </p:txBody>
+      </p:sp>
+      <p:sp>
+        <p:nvSpPr>
+          <p:cNvPr id="3" name="Content Placeholder 2"/>
+          <p:cNvSpPr>
+            <a:spLocks noGrp="1"/>
+          </p:cNvSpPr>
+          <p:nvPr>
+            <p:ph idx="1"/>
+          </p:nvPr>
+        </p:nvSpPr>
+        <p:spPr/>
+        <p:txBody>
+          <a:bodyPr/>
+          <a:p>
+            <a:pPr marL="0" indent="0">
+              <a:buNone/>
+            </a:pPr>
+            <a:r>
+              <a:rPr lang="" altLang="en-US"/>
+              <a:t>1. Design of frontends.</a:t>
+            </a:r>
+            <a:endParaRPr lang="" altLang="en-US"/>
+          </a:p>
+          <a:p>
+            <a:pPr marL="0" indent="0">
+              <a:buNone/>
+            </a:pPr>
+            <a:r>
+              <a:rPr lang="" altLang="en-US"/>
+              <a:t>2. The first to model material classification as a time-series classification</a:t>
+            </a:r>
+            <a:endParaRPr lang="" altLang="en-US"/>
+          </a:p>
+          <a:p>
+            <a:pPr marL="0" indent="0">
+              <a:buNone/>
+            </a:pPr>
+            <a:r>
+              <a:rPr lang="" altLang="en-US"/>
+              <a:t>3. segmentation techniques</a:t>
+            </a:r>
+            <a:endParaRPr lang="" altLang="en-US"/>
+          </a:p>
+        </p:txBody>
+      </p:sp>
     </p:spTree>
   </p:cSld>
   <p:clrMapOvr>
